--- a/files/au-presentation-20181009.pptx
+++ b/files/au-presentation-20181009.pptx
@@ -5,7 +5,7 @@
     <p:sldMasterId id="2147483648" r:id="rId1"/>
   </p:sldMasterIdLst>
   <p:notesMasterIdLst>
-    <p:notesMasterId r:id="rId21"/>
+    <p:notesMasterId r:id="rId19"/>
   </p:notesMasterIdLst>
   <p:sldIdLst>
     <p:sldId id="256" r:id="rId2"/>
@@ -24,9 +24,7 @@
     <p:sldId id="267" r:id="rId15"/>
     <p:sldId id="265" r:id="rId16"/>
     <p:sldId id="260" r:id="rId17"/>
-    <p:sldId id="268" r:id="rId18"/>
-    <p:sldId id="262" r:id="rId19"/>
-    <p:sldId id="257" r:id="rId20"/>
+    <p:sldId id="257" r:id="rId18"/>
   </p:sldIdLst>
   <p:sldSz cx="12192000" cy="6858000"/>
   <p:notesSz cx="6858000" cy="9144000"/>
@@ -19398,7 +19396,7 @@
           <a:p>
             <a:fld id="{63A56BE0-5275-DD46-8A53-EDB64EBCE79B}" type="datetimeFigureOut">
               <a:rPr lang="en-US" smtClean="0"/>
-              <a:t>10/5/18</a:t>
+              <a:t>10/8/18</a:t>
             </a:fld>
             <a:endParaRPr lang="en-US"/>
           </a:p>
@@ -20119,7 +20117,7 @@
           <a:p>
             <a:fld id="{5560E217-F735-9843-A2E1-541F17FFD978}" type="slidenum">
               <a:rPr lang="en-US" smtClean="0"/>
-              <a:t>19</a:t>
+              <a:t>17</a:t>
             </a:fld>
             <a:endParaRPr lang="en-US"/>
           </a:p>
@@ -20285,7 +20283,7 @@
           <a:p>
             <a:fld id="{9C5130C7-CAE6-AB4B-90A8-5FBD3EBA401B}" type="datetimeFigureOut">
               <a:rPr lang="en-US" smtClean="0"/>
-              <a:t>10/5/18</a:t>
+              <a:t>10/8/18</a:t>
             </a:fld>
             <a:endParaRPr lang="en-US"/>
           </a:p>
@@ -20483,7 +20481,7 @@
           <a:p>
             <a:fld id="{9C5130C7-CAE6-AB4B-90A8-5FBD3EBA401B}" type="datetimeFigureOut">
               <a:rPr lang="en-US" smtClean="0"/>
-              <a:t>10/5/18</a:t>
+              <a:t>10/8/18</a:t>
             </a:fld>
             <a:endParaRPr lang="en-US"/>
           </a:p>
@@ -20691,7 +20689,7 @@
           <a:p>
             <a:fld id="{9C5130C7-CAE6-AB4B-90A8-5FBD3EBA401B}" type="datetimeFigureOut">
               <a:rPr lang="en-US" smtClean="0"/>
-              <a:t>10/5/18</a:t>
+              <a:t>10/8/18</a:t>
             </a:fld>
             <a:endParaRPr lang="en-US"/>
           </a:p>
@@ -20889,7 +20887,7 @@
           <a:p>
             <a:fld id="{9C5130C7-CAE6-AB4B-90A8-5FBD3EBA401B}" type="datetimeFigureOut">
               <a:rPr lang="en-US" smtClean="0"/>
-              <a:t>10/5/18</a:t>
+              <a:t>10/8/18</a:t>
             </a:fld>
             <a:endParaRPr lang="en-US"/>
           </a:p>
@@ -21164,7 +21162,7 @@
           <a:p>
             <a:fld id="{9C5130C7-CAE6-AB4B-90A8-5FBD3EBA401B}" type="datetimeFigureOut">
               <a:rPr lang="en-US" smtClean="0"/>
-              <a:t>10/5/18</a:t>
+              <a:t>10/8/18</a:t>
             </a:fld>
             <a:endParaRPr lang="en-US"/>
           </a:p>
@@ -21429,7 +21427,7 @@
           <a:p>
             <a:fld id="{9C5130C7-CAE6-AB4B-90A8-5FBD3EBA401B}" type="datetimeFigureOut">
               <a:rPr lang="en-US" smtClean="0"/>
-              <a:t>10/5/18</a:t>
+              <a:t>10/8/18</a:t>
             </a:fld>
             <a:endParaRPr lang="en-US"/>
           </a:p>
@@ -21841,7 +21839,7 @@
           <a:p>
             <a:fld id="{9C5130C7-CAE6-AB4B-90A8-5FBD3EBA401B}" type="datetimeFigureOut">
               <a:rPr lang="en-US" smtClean="0"/>
-              <a:t>10/5/18</a:t>
+              <a:t>10/8/18</a:t>
             </a:fld>
             <a:endParaRPr lang="en-US"/>
           </a:p>
@@ -21982,7 +21980,7 @@
           <a:p>
             <a:fld id="{9C5130C7-CAE6-AB4B-90A8-5FBD3EBA401B}" type="datetimeFigureOut">
               <a:rPr lang="en-US" smtClean="0"/>
-              <a:t>10/5/18</a:t>
+              <a:t>10/8/18</a:t>
             </a:fld>
             <a:endParaRPr lang="en-US"/>
           </a:p>
@@ -22095,7 +22093,7 @@
           <a:p>
             <a:fld id="{9C5130C7-CAE6-AB4B-90A8-5FBD3EBA401B}" type="datetimeFigureOut">
               <a:rPr lang="en-US" smtClean="0"/>
-              <a:t>10/5/18</a:t>
+              <a:t>10/8/18</a:t>
             </a:fld>
             <a:endParaRPr lang="en-US"/>
           </a:p>
@@ -22406,7 +22404,7 @@
           <a:p>
             <a:fld id="{9C5130C7-CAE6-AB4B-90A8-5FBD3EBA401B}" type="datetimeFigureOut">
               <a:rPr lang="en-US" smtClean="0"/>
-              <a:t>10/5/18</a:t>
+              <a:t>10/8/18</a:t>
             </a:fld>
             <a:endParaRPr lang="en-US"/>
           </a:p>
@@ -22694,7 +22692,7 @@
           <a:p>
             <a:fld id="{9C5130C7-CAE6-AB4B-90A8-5FBD3EBA401B}" type="datetimeFigureOut">
               <a:rPr lang="en-US" smtClean="0"/>
-              <a:t>10/5/18</a:t>
+              <a:t>10/8/18</a:t>
             </a:fld>
             <a:endParaRPr lang="en-US"/>
           </a:p>
@@ -22935,7 +22933,7 @@
           <a:p>
             <a:fld id="{9C5130C7-CAE6-AB4B-90A8-5FBD3EBA401B}" type="datetimeFigureOut">
               <a:rPr lang="en-US" smtClean="0"/>
-              <a:t>10/5/18</a:t>
+              <a:t>10/8/18</a:t>
             </a:fld>
             <a:endParaRPr lang="en-US"/>
           </a:p>
@@ -23446,7 +23444,7 @@
         </p:nvSpPr>
         <p:spPr>
           <a:xfrm>
-            <a:off x="1524000" y="4410448"/>
+            <a:off x="1524000" y="3900495"/>
             <a:ext cx="9144000" cy="1655762"/>
           </a:xfrm>
         </p:spPr>
@@ -23468,6 +23466,13 @@
               <a:rPr lang="en-US" sz="3000" dirty="0"/>
               <a:t> Johnson, MSLS</a:t>
             </a:r>
+          </a:p>
+          <a:p>
+            <a:r>
+              <a:rPr lang="en-US" sz="3000" dirty="0" err="1"/>
+              <a:t>academic.mattweirick.com</a:t>
+            </a:r>
+            <a:endParaRPr lang="en-US" sz="3000" dirty="0"/>
           </a:p>
         </p:txBody>
       </p:sp>
@@ -24016,6 +24021,14 @@
 <file path=ppt/slides/slide13.xml><?xml version="1.0" encoding="utf-8"?>
 <p:sld xmlns:a="http://schemas.openxmlformats.org/drawingml/2006/main" xmlns:r="http://schemas.openxmlformats.org/officeDocument/2006/relationships" xmlns:p="http://schemas.openxmlformats.org/presentationml/2006/main">
   <p:cSld>
+    <p:bg>
+      <p:bgPr>
+        <a:solidFill>
+          <a:srgbClr val="D6C8DA"/>
+        </a:solidFill>
+        <a:effectLst/>
+      </p:bgPr>
+    </p:bg>
     <p:spTree>
       <p:nvGrpSpPr>
         <p:cNvPr id="1" name=""/>
@@ -24052,7 +24065,9 @@
           <a:lstStyle/>
           <a:p>
             <a:r>
-              <a:rPr lang="en-US" dirty="0"/>
+              <a:rPr lang="en-US" dirty="0">
+                <a:latin typeface="Footlight MT Light" panose="0204060206030A020304" pitchFamily="18" charset="77"/>
+              </a:rPr>
               <a:t>EBP &amp; Patients</a:t>
             </a:r>
           </a:p>
@@ -24076,18 +24091,46 @@
         </p:nvSpPr>
         <p:spPr/>
         <p:txBody>
-          <a:bodyPr/>
+          <a:bodyPr>
+            <a:normAutofit/>
+          </a:bodyPr>
           <a:lstStyle/>
           <a:p>
             <a:r>
-              <a:rPr lang="en-US" dirty="0"/>
+              <a:rPr lang="en-US" sz="3000" dirty="0"/>
               <a:t>Assessing a Patient</a:t>
             </a:r>
           </a:p>
           <a:p>
+            <a:pPr lvl="1"/>
             <a:r>
-              <a:rPr lang="en-US" dirty="0"/>
+              <a:rPr lang="en-US" sz="3000" dirty="0"/>
+              <a:t>Patient Values &amp; Shared Decision-Making are in the final step</a:t>
+            </a:r>
+          </a:p>
+          <a:p>
+            <a:r>
+              <a:rPr lang="en-US" sz="3000" dirty="0"/>
               <a:t>Counseling a Patient</a:t>
+            </a:r>
+          </a:p>
+          <a:p>
+            <a:pPr lvl="1"/>
+            <a:r>
+              <a:rPr lang="en-US" sz="3000" dirty="0"/>
+              <a:t>Patient Values at the forefront</a:t>
+            </a:r>
+          </a:p>
+          <a:p>
+            <a:r>
+              <a:rPr lang="en-US" sz="3000" dirty="0"/>
+              <a:t>Patient Education &amp; Health Information Literacy/Behaviors</a:t>
+            </a:r>
+          </a:p>
+          <a:p>
+            <a:r>
+              <a:rPr lang="en-US" sz="3000" dirty="0"/>
+              <a:t>Patient experience as evidence/patient advocacy</a:t>
             </a:r>
           </a:p>
         </p:txBody>
@@ -24108,6 +24151,14 @@
 <file path=ppt/slides/slide14.xml><?xml version="1.0" encoding="utf-8"?>
 <p:sld xmlns:a="http://schemas.openxmlformats.org/drawingml/2006/main" xmlns:r="http://schemas.openxmlformats.org/officeDocument/2006/relationships" xmlns:p="http://schemas.openxmlformats.org/presentationml/2006/main">
   <p:cSld>
+    <p:bg>
+      <p:bgPr>
+        <a:solidFill>
+          <a:srgbClr val="D6C8DA"/>
+        </a:solidFill>
+        <a:effectLst/>
+      </p:bgPr>
+    </p:bg>
     <p:spTree>
       <p:nvGrpSpPr>
         <p:cNvPr id="1" name=""/>
@@ -24144,7 +24195,9 @@
           <a:lstStyle/>
           <a:p>
             <a:r>
-              <a:rPr lang="en-US" dirty="0"/>
+              <a:rPr lang="en-US" dirty="0">
+                <a:latin typeface="Footlight MT Light" panose="0204060206030A020304" pitchFamily="18" charset="77"/>
+              </a:rPr>
               <a:t>EBP &amp; Research</a:t>
             </a:r>
           </a:p>
@@ -24168,24 +24221,26 @@
         </p:nvSpPr>
         <p:spPr/>
         <p:txBody>
-          <a:bodyPr/>
+          <a:bodyPr>
+            <a:normAutofit/>
+          </a:bodyPr>
           <a:lstStyle/>
           <a:p>
             <a:r>
-              <a:rPr lang="en-US" dirty="0"/>
-              <a:t>Knowledge Synthesis</a:t>
+              <a:rPr lang="en-US" sz="3000" dirty="0"/>
+              <a:t>Knowledge Synthesis (collecting &amp; sharing information)</a:t>
             </a:r>
           </a:p>
           <a:p>
             <a:r>
-              <a:rPr lang="en-US" dirty="0"/>
-              <a:t>Original Research</a:t>
+              <a:rPr lang="en-US" sz="3000" dirty="0"/>
+              <a:t>Original Research (identifying and filling knowledge gaps)</a:t>
             </a:r>
           </a:p>
           <a:p>
             <a:r>
-              <a:rPr lang="en-US" dirty="0"/>
-              <a:t>Foundational Information (e.g. Guidelines)</a:t>
+              <a:rPr lang="en-US" sz="3000" dirty="0"/>
+              <a:t>Foundational Information (e.g. guidelines, policies)</a:t>
             </a:r>
           </a:p>
         </p:txBody>
@@ -24206,6 +24261,14 @@
 <file path=ppt/slides/slide15.xml><?xml version="1.0" encoding="utf-8"?>
 <p:sld xmlns:a="http://schemas.openxmlformats.org/drawingml/2006/main" xmlns:r="http://schemas.openxmlformats.org/officeDocument/2006/relationships" xmlns:p="http://schemas.openxmlformats.org/presentationml/2006/main">
   <p:cSld>
+    <p:bg>
+      <p:bgPr>
+        <a:solidFill>
+          <a:srgbClr val="D6C8DA"/>
+        </a:solidFill>
+        <a:effectLst/>
+      </p:bgPr>
+    </p:bg>
     <p:spTree>
       <p:nvGrpSpPr>
         <p:cNvPr id="1" name=""/>
@@ -24242,7 +24305,9 @@
           <a:lstStyle/>
           <a:p>
             <a:r>
-              <a:rPr lang="en-US" dirty="0"/>
+              <a:rPr lang="en-US" dirty="0">
+                <a:latin typeface="Footlight MT Light" panose="0204060206030A020304" pitchFamily="18" charset="77"/>
+              </a:rPr>
               <a:t>Building EBP through Nursing Research</a:t>
             </a:r>
           </a:p>
@@ -24266,13 +24331,36 @@
         </p:nvSpPr>
         <p:spPr/>
         <p:txBody>
-          <a:bodyPr/>
+          <a:bodyPr>
+            <a:normAutofit/>
+          </a:bodyPr>
           <a:lstStyle/>
           <a:p>
             <a:r>
-              <a:rPr lang="en-US" dirty="0"/>
-              <a:t>Development of Guidelines &amp; Other Tools</a:t>
+              <a:rPr lang="en-US" sz="3000" dirty="0"/>
+              <a:t>Developing of Guidelines</a:t>
             </a:r>
+          </a:p>
+          <a:p>
+            <a:r>
+              <a:rPr lang="en-US" sz="3000" dirty="0"/>
+              <a:t>Writing systematic review &amp; meta-analyses</a:t>
+            </a:r>
+          </a:p>
+          <a:p>
+            <a:r>
+              <a:rPr lang="en-US" sz="3000" dirty="0"/>
+              <a:t>Presenting talks, conference papers</a:t>
+            </a:r>
+          </a:p>
+          <a:p>
+            <a:r>
+              <a:rPr lang="en-US" sz="3000" dirty="0"/>
+              <a:t>Data management and sharing</a:t>
+            </a:r>
+          </a:p>
+          <a:p>
+            <a:endParaRPr lang="en-US" sz="3000" dirty="0"/>
           </a:p>
         </p:txBody>
       </p:sp>
@@ -24292,6 +24380,14 @@
 <file path=ppt/slides/slide16.xml><?xml version="1.0" encoding="utf-8"?>
 <p:sld xmlns:a="http://schemas.openxmlformats.org/drawingml/2006/main" xmlns:r="http://schemas.openxmlformats.org/officeDocument/2006/relationships" xmlns:p="http://schemas.openxmlformats.org/presentationml/2006/main">
   <p:cSld>
+    <p:bg>
+      <p:bgPr>
+        <a:solidFill>
+          <a:srgbClr val="D6C8DA"/>
+        </a:solidFill>
+        <a:effectLst/>
+      </p:bgPr>
+    </p:bg>
     <p:spTree>
       <p:nvGrpSpPr>
         <p:cNvPr id="1" name=""/>
@@ -24328,7 +24424,9 @@
           <a:lstStyle/>
           <a:p>
             <a:r>
-              <a:rPr lang="en-US" dirty="0"/>
+              <a:rPr lang="en-US" dirty="0">
+                <a:latin typeface="Footlight MT Light" panose="0204060206030A020304" pitchFamily="18" charset="77"/>
+              </a:rPr>
               <a:t>Teaching from an EBP Standpoint</a:t>
             </a:r>
           </a:p>
@@ -24352,18 +24450,32 @@
         </p:nvSpPr>
         <p:spPr/>
         <p:txBody>
-          <a:bodyPr/>
+          <a:bodyPr>
+            <a:normAutofit/>
+          </a:bodyPr>
           <a:lstStyle/>
           <a:p>
             <a:r>
-              <a:rPr lang="en-US" dirty="0"/>
-              <a:t>Include EBP in curriculum</a:t>
+              <a:rPr lang="en-US" sz="3000" dirty="0"/>
+              <a:t>Include EBP and IL in the curriculum</a:t>
             </a:r>
           </a:p>
           <a:p>
             <a:r>
-              <a:rPr lang="en-US" dirty="0"/>
-              <a:t>Include information literacy in curriculum</a:t>
+              <a:rPr lang="en-US" sz="3000" dirty="0"/>
+              <a:t>Include EBP and IL across the curriculum</a:t>
+            </a:r>
+          </a:p>
+          <a:p>
+            <a:r>
+              <a:rPr lang="en-US" sz="3000" dirty="0"/>
+              <a:t>Demonstrate searches and the process of information-seeking</a:t>
+            </a:r>
+          </a:p>
+          <a:p>
+            <a:r>
+              <a:rPr lang="en-US" sz="3000" dirty="0"/>
+              <a:t>Demonstrate effective information behaviors</a:t>
             </a:r>
           </a:p>
         </p:txBody>
@@ -24382,196 +24494,6 @@
 </file>
 
 <file path=ppt/slides/slide17.xml><?xml version="1.0" encoding="utf-8"?>
-<p:sld xmlns:a="http://schemas.openxmlformats.org/drawingml/2006/main" xmlns:r="http://schemas.openxmlformats.org/officeDocument/2006/relationships" xmlns:p="http://schemas.openxmlformats.org/presentationml/2006/main">
-  <p:cSld>
-    <p:spTree>
-      <p:nvGrpSpPr>
-        <p:cNvPr id="1" name=""/>
-        <p:cNvGrpSpPr/>
-        <p:nvPr/>
-      </p:nvGrpSpPr>
-      <p:grpSpPr>
-        <a:xfrm>
-          <a:off x="0" y="0"/>
-          <a:ext cx="0" cy="0"/>
-          <a:chOff x="0" y="0"/>
-          <a:chExt cx="0" cy="0"/>
-        </a:xfrm>
-      </p:grpSpPr>
-      <p:sp>
-        <p:nvSpPr>
-          <p:cNvPr id="2" name="Title 1">
-            <a:extLst>
-              <a:ext uri="{FF2B5EF4-FFF2-40B4-BE49-F238E27FC236}">
-                <a16:creationId xmlns:a16="http://schemas.microsoft.com/office/drawing/2014/main" id="{53A685B1-41BF-EF44-A95C-1CC50490AA6C}"/>
-              </a:ext>
-            </a:extLst>
-          </p:cNvPr>
-          <p:cNvSpPr>
-            <a:spLocks noGrp="1"/>
-          </p:cNvSpPr>
-          <p:nvPr>
-            <p:ph type="title"/>
-          </p:nvPr>
-        </p:nvSpPr>
-        <p:spPr/>
-        <p:txBody>
-          <a:bodyPr/>
-          <a:lstStyle/>
-          <a:p>
-            <a:r>
-              <a:rPr lang="en-US" dirty="0"/>
-              <a:t>The Missing Pieces in EBP Education???</a:t>
-            </a:r>
-          </a:p>
-        </p:txBody>
-      </p:sp>
-      <p:sp>
-        <p:nvSpPr>
-          <p:cNvPr id="3" name="Content Placeholder 2">
-            <a:extLst>
-              <a:ext uri="{FF2B5EF4-FFF2-40B4-BE49-F238E27FC236}">
-                <a16:creationId xmlns:a16="http://schemas.microsoft.com/office/drawing/2014/main" id="{A2BA17AC-9D07-4546-814D-1F17A3839161}"/>
-              </a:ext>
-            </a:extLst>
-          </p:cNvPr>
-          <p:cNvSpPr>
-            <a:spLocks noGrp="1"/>
-          </p:cNvSpPr>
-          <p:nvPr>
-            <p:ph idx="1"/>
-          </p:nvPr>
-        </p:nvSpPr>
-        <p:spPr/>
-        <p:txBody>
-          <a:bodyPr/>
-          <a:lstStyle/>
-          <a:p>
-            <a:r>
-              <a:rPr lang="en-US" dirty="0"/>
-              <a:t>Reference managers?</a:t>
-            </a:r>
-          </a:p>
-          <a:p>
-            <a:r>
-              <a:rPr lang="en-US" dirty="0"/>
-              <a:t>Patient Values &amp; Shared Decision Making?</a:t>
-            </a:r>
-          </a:p>
-          <a:p>
-            <a:r>
-              <a:rPr lang="en-US" dirty="0"/>
-              <a:t>Patient Education?</a:t>
-            </a:r>
-          </a:p>
-        </p:txBody>
-      </p:sp>
-    </p:spTree>
-    <p:extLst>
-      <p:ext uri="{BB962C8B-B14F-4D97-AF65-F5344CB8AC3E}">
-        <p14:creationId xmlns:p14="http://schemas.microsoft.com/office/powerpoint/2010/main" val="3964902184"/>
-      </p:ext>
-    </p:extLst>
-  </p:cSld>
-  <p:clrMapOvr>
-    <a:masterClrMapping/>
-  </p:clrMapOvr>
-</p:sld>
-</file>
-
-<file path=ppt/slides/slide18.xml><?xml version="1.0" encoding="utf-8"?>
-<p:sld xmlns:a="http://schemas.openxmlformats.org/drawingml/2006/main" xmlns:r="http://schemas.openxmlformats.org/officeDocument/2006/relationships" xmlns:p="http://schemas.openxmlformats.org/presentationml/2006/main">
-  <p:cSld>
-    <p:spTree>
-      <p:nvGrpSpPr>
-        <p:cNvPr id="1" name=""/>
-        <p:cNvGrpSpPr/>
-        <p:nvPr/>
-      </p:nvGrpSpPr>
-      <p:grpSpPr>
-        <a:xfrm>
-          <a:off x="0" y="0"/>
-          <a:ext cx="0" cy="0"/>
-          <a:chOff x="0" y="0"/>
-          <a:chExt cx="0" cy="0"/>
-        </a:xfrm>
-      </p:grpSpPr>
-      <p:sp>
-        <p:nvSpPr>
-          <p:cNvPr id="2" name="Title 1">
-            <a:extLst>
-              <a:ext uri="{FF2B5EF4-FFF2-40B4-BE49-F238E27FC236}">
-                <a16:creationId xmlns:a16="http://schemas.microsoft.com/office/drawing/2014/main" id="{BA7D706A-3816-DA42-84A8-749656FA01F4}"/>
-              </a:ext>
-            </a:extLst>
-          </p:cNvPr>
-          <p:cNvSpPr>
-            <a:spLocks noGrp="1"/>
-          </p:cNvSpPr>
-          <p:nvPr>
-            <p:ph type="title"/>
-          </p:nvPr>
-        </p:nvSpPr>
-        <p:spPr/>
-        <p:txBody>
-          <a:bodyPr/>
-          <a:lstStyle/>
-          <a:p>
-            <a:r>
-              <a:rPr lang="en-US" dirty="0"/>
-              <a:t>Instructions</a:t>
-            </a:r>
-          </a:p>
-        </p:txBody>
-      </p:sp>
-      <p:sp>
-        <p:nvSpPr>
-          <p:cNvPr id="3" name="Content Placeholder 2">
-            <a:extLst>
-              <a:ext uri="{FF2B5EF4-FFF2-40B4-BE49-F238E27FC236}">
-                <a16:creationId xmlns:a16="http://schemas.microsoft.com/office/drawing/2014/main" id="{DDEE5367-8654-774D-A782-043F7D763C70}"/>
-              </a:ext>
-            </a:extLst>
-          </p:cNvPr>
-          <p:cNvSpPr>
-            <a:spLocks noGrp="1"/>
-          </p:cNvSpPr>
-          <p:nvPr>
-            <p:ph idx="1"/>
-          </p:nvPr>
-        </p:nvSpPr>
-        <p:spPr/>
-        <p:txBody>
-          <a:bodyPr/>
-          <a:lstStyle/>
-          <a:p>
-            <a:r>
-              <a:rPr lang="en-US" dirty="0"/>
-              <a:t>Please prepare a thirty-minute talk on the topic, “Current and Future Best Practices for Evidence-Based Information Seeking for Nursing.” Include how you might collaborate and teach with students, graduate researchers, and faculty at the College of Nursing. The audience would be library faculty and staff from both libraries, and they would have the opportunity to ask questions about your talk. The room will have a podium, laptop, projector, and microphone available for the presentation. The laptop will have common MS Office applications.</a:t>
-            </a:r>
-          </a:p>
-          <a:p>
-            <a:r>
-              <a:rPr lang="en-US" dirty="0"/>
-              <a:t>Aiming for 15 content slides at size 30 font</a:t>
-            </a:r>
-          </a:p>
-        </p:txBody>
-      </p:sp>
-    </p:spTree>
-    <p:extLst>
-      <p:ext uri="{BB962C8B-B14F-4D97-AF65-F5344CB8AC3E}">
-        <p14:creationId xmlns:p14="http://schemas.microsoft.com/office/powerpoint/2010/main" val="2815664801"/>
-      </p:ext>
-    </p:extLst>
-  </p:cSld>
-  <p:clrMapOvr>
-    <a:masterClrMapping/>
-  </p:clrMapOvr>
-</p:sld>
-</file>
-
-<file path=ppt/slides/slide19.xml><?xml version="1.0" encoding="utf-8"?>
 <p:sld xmlns:a="http://schemas.openxmlformats.org/drawingml/2006/main" xmlns:r="http://schemas.openxmlformats.org/officeDocument/2006/relationships" xmlns:p="http://schemas.openxmlformats.org/presentationml/2006/main">
   <p:cSld>
     <p:bg>
@@ -24711,7 +24633,7 @@
         </p:blipFill>
         <p:spPr>
           <a:xfrm>
-            <a:off x="1800746" y="4599918"/>
+            <a:off x="1185271" y="4599918"/>
             <a:ext cx="4134386" cy="2324457"/>
           </a:xfrm>
           <a:prstGeom prst="rect">
@@ -24733,10 +24655,10 @@
         </p:nvGrpSpPr>
         <p:grpSpPr>
           <a:xfrm>
-            <a:off x="5291670" y="4884983"/>
-            <a:ext cx="6510863" cy="1754326"/>
+            <a:off x="4676195" y="4884983"/>
+            <a:ext cx="6736207" cy="1754326"/>
             <a:chOff x="5740405" y="4682426"/>
-            <a:chExt cx="6510863" cy="1754326"/>
+            <a:chExt cx="6736207" cy="1754326"/>
           </a:xfrm>
         </p:grpSpPr>
         <p:pic>
@@ -24874,7 +24796,7 @@
           <p:spPr>
             <a:xfrm>
               <a:off x="5994400" y="4682426"/>
-              <a:ext cx="6256868" cy="1754326"/>
+              <a:ext cx="6482212" cy="1754326"/>
             </a:xfrm>
             <a:prstGeom prst="rect">
               <a:avLst/>
@@ -24908,8 +24830,9 @@
             </a:p>
             <a:p>
               <a:r>
-                <a:rPr lang="en-US" dirty="0" err="1">
+                <a:rPr lang="en-US" dirty="0">
                   <a:latin typeface="Constantia" panose="02030602050306030303" pitchFamily="18" charset="0"/>
+                  <a:hlinkClick r:id="rId9"/>
                 </a:rPr>
                 <a:t>academic.mattweirick.com</a:t>
               </a:r>
@@ -24921,7 +24844,7 @@
               <a:r>
                 <a:rPr lang="en-US" dirty="0">
                   <a:latin typeface="Constantia" panose="02030602050306030303" pitchFamily="18" charset="0"/>
-                  <a:hlinkClick r:id="rId9"/>
+                  <a:hlinkClick r:id="rId10"/>
                 </a:rPr>
                 <a:t>matt@mattweirick.com</a:t>
               </a:r>
@@ -24931,25 +24854,23 @@
             </a:p>
             <a:p>
               <a:r>
-                <a:rPr lang="en-US" dirty="0" err="1">
-                  <a:latin typeface="Constantia" panose="02030602050306030303" pitchFamily="18" charset="0"/>
-                </a:rPr>
-                <a:t>academic.mattweirick.com</a:t>
-              </a:r>
-              <a:r>
                 <a:rPr lang="en-US" dirty="0">
                   <a:latin typeface="Constantia" panose="02030602050306030303" pitchFamily="18" charset="0"/>
+                  <a:hlinkClick r:id="rId11"/>
                 </a:rPr>
-                <a:t>/files/au-presentation-20181009</a:t>
+                <a:t>academic.mattweirick.com/files/au-presentation-20181009.pptx</a:t>
               </a:r>
+              <a:endParaRPr lang="en-US" dirty="0">
+                <a:latin typeface="Constantia" panose="02030602050306030303" pitchFamily="18" charset="0"/>
+              </a:endParaRPr>
             </a:p>
             <a:p>
               <a:r>
                 <a:rPr lang="en-US" dirty="0">
                   <a:latin typeface="Constantia" panose="02030602050306030303" pitchFamily="18" charset="0"/>
-                  <a:hlinkClick r:id="rId10"/>
+                  <a:hlinkClick r:id="rId12"/>
                 </a:rPr>
-                <a:t>https://orcid.org/0000-0002-6391-2088</a:t>
+                <a:t>academic.mattweirick.com/talks/2018-10-09-au-presentation</a:t>
               </a:r>
               <a:endParaRPr lang="en-US" dirty="0">
                 <a:latin typeface="Constantia" panose="02030602050306030303" pitchFamily="18" charset="0"/>
